--- a/Heisserdraht/Heisserdraht.pptx
+++ b/Heisserdraht/Heisserdraht.pptx
@@ -201,7 +201,7 @@
           <a:p>
             <a:fld id="{DD7A25D8-F173-4133-85F8-CB962D678EB5}" type="datetimeFigureOut">
               <a:rPr lang="de-DE" smtClean="0"/>
-              <a:t>10.04.2019</a:t>
+              <a:t>16.03.2020</a:t>
             </a:fld>
             <a:endParaRPr lang="de-DE"/>
           </a:p>
@@ -265,38 +265,37 @@
           <a:p>
             <a:pPr lvl="0"/>
             <a:r>
-              <a:rPr lang="de-DE" smtClean="0"/>
+              <a:rPr lang="de-DE"/>
               <a:t>Formatvorlagen des Textmasters bearbeiten</a:t>
             </a:r>
           </a:p>
           <a:p>
             <a:pPr lvl="1"/>
             <a:r>
-              <a:rPr lang="de-DE" smtClean="0"/>
+              <a:rPr lang="de-DE"/>
               <a:t>Zweite Ebene</a:t>
             </a:r>
           </a:p>
           <a:p>
             <a:pPr lvl="2"/>
             <a:r>
-              <a:rPr lang="de-DE" smtClean="0"/>
+              <a:rPr lang="de-DE"/>
               <a:t>Dritte Ebene</a:t>
             </a:r>
           </a:p>
           <a:p>
             <a:pPr lvl="3"/>
             <a:r>
-              <a:rPr lang="de-DE" smtClean="0"/>
+              <a:rPr lang="de-DE"/>
               <a:t>Vierte Ebene</a:t>
             </a:r>
           </a:p>
           <a:p>
             <a:pPr lvl="4"/>
             <a:r>
-              <a:rPr lang="de-DE" smtClean="0"/>
+              <a:rPr lang="de-DE"/>
               <a:t>Fünfte Ebene</a:t>
             </a:r>
-            <a:endParaRPr lang="de-DE"/>
           </a:p>
         </p:txBody>
       </p:sp>
@@ -511,7 +510,7 @@
           </a:lstStyle>
           <a:p>
             <a:r>
-              <a:rPr lang="de-DE" smtClean="0"/>
+              <a:rPr lang="de-DE"/>
               <a:t>Titelmasterformat durch Klicken bearbeiten</a:t>
             </a:r>
             <a:endParaRPr lang="en-US" dirty="0"/>
@@ -576,7 +575,7 @@
           </a:lstStyle>
           <a:p>
             <a:r>
-              <a:rPr lang="de-DE" smtClean="0"/>
+              <a:rPr lang="de-DE"/>
               <a:t>Formatvorlage des Untertitelmasters durch Klicken bearbeiten</a:t>
             </a:r>
             <a:endParaRPr lang="en-US" dirty="0"/>
@@ -600,7 +599,7 @@
           <a:p>
             <a:fld id="{FC9269F9-6F79-4414-A84E-D81C6C443C37}" type="datetimeFigureOut">
               <a:rPr lang="de-DE" smtClean="0"/>
-              <a:t>10.04.2019</a:t>
+              <a:t>16.03.2020</a:t>
             </a:fld>
             <a:endParaRPr lang="de-DE"/>
           </a:p>
@@ -658,13 +657,6 @@
   <p:clrMapOvr>
     <a:masterClrMapping/>
   </p:clrMapOvr>
-  <p:timing>
-    <p:tnLst>
-      <p:par>
-        <p:cTn id="1" dur="indefinite" restart="never" nodeType="tmRoot"/>
-      </p:par>
-    </p:tnLst>
-  </p:timing>
 </p:sldLayout>
 </file>
 
@@ -807,7 +799,7 @@
           </a:lstStyle>
           <a:p>
             <a:r>
-              <a:rPr lang="de-DE" dirty="0" smtClean="0"/>
+              <a:rPr lang="de-DE" dirty="0"/>
               <a:t>Titelmasterformat durch Klicken bearbeiten</a:t>
             </a:r>
             <a:endParaRPr lang="en-US" dirty="0"/>
@@ -1021,10 +1013,9 @@
           <a:p>
             <a:pPr lvl="0"/>
             <a:r>
-              <a:rPr lang="de-DE" dirty="0" smtClean="0"/>
+              <a:rPr lang="de-DE" dirty="0"/>
               <a:t>Aufgabentext</a:t>
             </a:r>
-            <a:endParaRPr lang="de-DE" dirty="0"/>
           </a:p>
         </p:txBody>
       </p:sp>
@@ -1051,10 +1042,9 @@
           <a:lstStyle/>
           <a:p>
             <a:r>
-              <a:rPr lang="de-DE" b="1" dirty="0" smtClean="0"/>
+              <a:rPr lang="de-DE" b="1" dirty="0"/>
               <a:t>Challenge</a:t>
             </a:r>
-            <a:endParaRPr lang="de-DE" b="1" dirty="0"/>
           </a:p>
         </p:txBody>
       </p:sp>
@@ -1091,10 +1081,9 @@
           <a:p>
             <a:pPr lvl="0"/>
             <a:r>
-              <a:rPr lang="de-DE" dirty="0" smtClean="0"/>
+              <a:rPr lang="de-DE" dirty="0"/>
               <a:t>Schwierigkeitsgrad</a:t>
             </a:r>
-            <a:endParaRPr lang="de-DE" dirty="0"/>
           </a:p>
         </p:txBody>
       </p:sp>
@@ -1131,7 +1120,7 @@
           <a:p>
             <a:pPr lvl="0"/>
             <a:r>
-              <a:rPr lang="de-DE" sz="3200" dirty="0" smtClean="0"/>
+              <a:rPr lang="de-DE" sz="3200" dirty="0"/>
               <a:t>N</a:t>
             </a:r>
             <a:endParaRPr lang="de-DE" dirty="0"/>
@@ -1259,13 +1248,6 @@
   <p:clrMapOvr>
     <a:masterClrMapping/>
   </p:clrMapOvr>
-  <p:timing>
-    <p:tnLst>
-      <p:par>
-        <p:cTn id="1" dur="indefinite" restart="never" nodeType="tmRoot"/>
-      </p:par>
-    </p:tnLst>
-  </p:timing>
 </p:sldLayout>
 </file>
 
@@ -1408,7 +1390,7 @@
           </a:lstStyle>
           <a:p>
             <a:r>
-              <a:rPr lang="de-DE" dirty="0" smtClean="0"/>
+              <a:rPr lang="de-DE" dirty="0"/>
               <a:t>Titelmasterformat durch Klicken bearbeiten</a:t>
             </a:r>
             <a:endParaRPr lang="en-US" dirty="0"/>
@@ -1623,13 +1605,6 @@
   <p:clrMapOvr>
     <a:masterClrMapping/>
   </p:clrMapOvr>
-  <p:timing>
-    <p:tnLst>
-      <p:par>
-        <p:cTn id="1" dur="indefinite" restart="never" nodeType="tmRoot"/>
-      </p:par>
-    </p:tnLst>
-  </p:timing>
 </p:sldLayout>
 </file>
 
@@ -1679,10 +1654,9 @@
           </a:lstStyle>
           <a:p>
             <a:r>
-              <a:rPr lang="de-DE" dirty="0" smtClean="0"/>
+              <a:rPr lang="de-DE" dirty="0"/>
               <a:t>Aufgabe</a:t>
             </a:r>
-            <a:endParaRPr lang="de-DE" dirty="0"/>
           </a:p>
         </p:txBody>
       </p:sp>
@@ -1703,7 +1677,7 @@
           <a:p>
             <a:fld id="{FC9269F9-6F79-4414-A84E-D81C6C443C37}" type="datetimeFigureOut">
               <a:rPr lang="de-DE" smtClean="0"/>
-              <a:t>10.04.2019</a:t>
+              <a:t>16.03.2020</a:t>
             </a:fld>
             <a:endParaRPr lang="de-DE"/>
           </a:p>
@@ -1755,14 +1729,11 @@
           <a:lstStyle/>
           <a:p>
             <a:r>
-              <a:rPr lang="de-DE" sz="3600" b="1" dirty="0" smtClean="0">
+              <a:rPr lang="de-DE" sz="3600" b="1" dirty="0">
                 <a:latin typeface="+mn-lt"/>
               </a:rPr>
               <a:t>Lösung</a:t>
             </a:r>
-            <a:endParaRPr lang="de-DE" sz="3600" b="1" dirty="0">
-              <a:latin typeface="+mn-lt"/>
-            </a:endParaRPr>
           </a:p>
         </p:txBody>
       </p:sp>
@@ -1825,10 +1796,9 @@
           <a:lstStyle/>
           <a:p>
             <a:r>
-              <a:rPr lang="de-DE" sz="1200" dirty="0" smtClean="0"/>
+              <a:rPr lang="de-DE" sz="1200" dirty="0"/>
               <a:t>Verwendete Befehlsgruppen</a:t>
             </a:r>
-            <a:endParaRPr lang="de-DE" sz="1200" dirty="0"/>
           </a:p>
         </p:txBody>
       </p:sp>
@@ -1915,10 +1885,9 @@
           <a:lstStyle/>
           <a:p>
             <a:r>
-              <a:rPr lang="de-DE" sz="1600" b="1" dirty="0" smtClean="0"/>
+              <a:rPr lang="de-DE" sz="1600" b="1" dirty="0"/>
               <a:t>Code</a:t>
             </a:r>
-            <a:endParaRPr lang="de-DE" sz="1600" b="1" dirty="0"/>
           </a:p>
         </p:txBody>
       </p:sp>
@@ -1954,38 +1923,37 @@
           <a:p>
             <a:pPr lvl="0"/>
             <a:r>
-              <a:rPr lang="de-DE" dirty="0" smtClean="0"/>
+              <a:rPr lang="de-DE" dirty="0"/>
               <a:t>Formatvorlagen des Textmasters bearbeiten</a:t>
             </a:r>
           </a:p>
           <a:p>
             <a:pPr lvl="1"/>
             <a:r>
-              <a:rPr lang="de-DE" dirty="0" smtClean="0"/>
+              <a:rPr lang="de-DE" dirty="0"/>
               <a:t>Zweite Ebene</a:t>
             </a:r>
           </a:p>
           <a:p>
             <a:pPr lvl="2"/>
             <a:r>
-              <a:rPr lang="de-DE" dirty="0" smtClean="0"/>
+              <a:rPr lang="de-DE" dirty="0"/>
               <a:t>Dritte Ebene</a:t>
             </a:r>
           </a:p>
           <a:p>
             <a:pPr lvl="3"/>
             <a:r>
-              <a:rPr lang="de-DE" dirty="0" smtClean="0"/>
+              <a:rPr lang="de-DE" dirty="0"/>
               <a:t>Vierte Ebene</a:t>
             </a:r>
           </a:p>
           <a:p>
             <a:pPr lvl="4"/>
             <a:r>
-              <a:rPr lang="de-DE" dirty="0" smtClean="0"/>
+              <a:rPr lang="de-DE" dirty="0"/>
               <a:t>Fünfte Ebene</a:t>
             </a:r>
-            <a:endParaRPr lang="de-DE" dirty="0"/>
           </a:p>
         </p:txBody>
       </p:sp>
@@ -2061,12 +2029,12 @@
           <a:p>
             <a:pPr algn="ctr"/>
             <a:r>
-              <a:rPr lang="de-DE" sz="1100" dirty="0" smtClean="0">
+              <a:rPr lang="de-DE" sz="1100" dirty="0">
                 <a:hlinkClick r:id="rId2"/>
               </a:rPr>
               <a:t>https://www.htw-dresden.de/kiss-mint</a:t>
             </a:r>
-            <a:endParaRPr lang="de-DE" sz="1100" dirty="0" smtClean="0"/>
+            <a:endParaRPr lang="de-DE" sz="1100" dirty="0"/>
           </a:p>
         </p:txBody>
       </p:sp>
@@ -2080,13 +2048,6 @@
   <p:clrMapOvr>
     <a:masterClrMapping/>
   </p:clrMapOvr>
-  <p:timing>
-    <p:tnLst>
-      <p:par>
-        <p:cTn id="1" dur="indefinite" restart="never" nodeType="tmRoot"/>
-      </p:par>
-    </p:tnLst>
-  </p:timing>
 </p:sldLayout>
 </file>
 
@@ -2134,10 +2095,9 @@
           </a:lstStyle>
           <a:p>
             <a:r>
-              <a:rPr lang="de-DE" dirty="0" smtClean="0"/>
+              <a:rPr lang="de-DE" dirty="0"/>
               <a:t>Titelmasterformat durch Klicken bearbeiten</a:t>
             </a:r>
-            <a:endParaRPr lang="de-DE" dirty="0"/>
           </a:p>
         </p:txBody>
       </p:sp>
@@ -2158,7 +2118,7 @@
           <a:p>
             <a:fld id="{FC9269F9-6F79-4414-A84E-D81C6C443C37}" type="datetimeFigureOut">
               <a:rPr lang="de-DE" smtClean="0"/>
-              <a:t>10.04.2019</a:t>
+              <a:t>16.03.2020</a:t>
             </a:fld>
             <a:endParaRPr lang="de-DE"/>
           </a:p>
@@ -2235,7 +2195,7 @@
           <a:p>
             <a:pPr lvl="0"/>
             <a:r>
-              <a:rPr lang="de-DE" b="1" dirty="0" smtClean="0"/>
+              <a:rPr lang="de-DE" b="1" dirty="0"/>
               <a:t>Rubrik</a:t>
             </a:r>
             <a:endParaRPr lang="de-DE" dirty="0"/>
@@ -2290,10 +2250,9 @@
           <a:p>
             <a:pPr lvl="0"/>
             <a:r>
-              <a:rPr lang="de-DE" dirty="0" smtClean="0"/>
+              <a:rPr lang="de-DE" dirty="0"/>
               <a:t>Formatvorlagen des Textmasters bearbeiten</a:t>
             </a:r>
-            <a:endParaRPr lang="de-DE" dirty="0"/>
           </a:p>
         </p:txBody>
       </p:sp>
@@ -2307,13 +2266,6 @@
   <p:clrMapOvr>
     <a:masterClrMapping/>
   </p:clrMapOvr>
-  <p:timing>
-    <p:tnLst>
-      <p:par>
-        <p:cTn id="1" dur="indefinite" restart="never" nodeType="tmRoot"/>
-      </p:par>
-    </p:tnLst>
-  </p:timing>
 </p:sldLayout>
 </file>
 
@@ -2601,34 +2553,34 @@
           <a:p>
             <a:pPr algn="ctr"/>
             <a:r>
-              <a:rPr lang="de-DE" b="1" dirty="0" smtClean="0"/>
+              <a:rPr lang="de-DE" b="1" dirty="0"/>
               <a:t>Veröffentlicht</a:t>
             </a:r>
             <a:r>
-              <a:rPr lang="de-DE" b="1" baseline="0" dirty="0" smtClean="0"/>
+              <a:rPr lang="de-DE" b="1" baseline="0" dirty="0"/>
               <a:t> unter CC BY SA</a:t>
             </a:r>
           </a:p>
           <a:p>
             <a:pPr algn="ctr"/>
-            <a:endParaRPr lang="de-DE" b="0" baseline="0" dirty="0" smtClean="0"/>
+            <a:endParaRPr lang="de-DE" b="0" baseline="0" dirty="0"/>
           </a:p>
           <a:p>
             <a:pPr algn="ctr"/>
             <a:r>
-              <a:rPr lang="de-DE" b="0" dirty="0" smtClean="0"/>
+              <a:rPr lang="de-DE" b="0" dirty="0"/>
               <a:t>Dieses Werk ist unter einer Creative </a:t>
             </a:r>
             <a:r>
-              <a:rPr lang="de-DE" b="0" dirty="0" err="1" smtClean="0"/>
+              <a:rPr lang="de-DE" b="0" dirty="0" err="1"/>
               <a:t>Commons</a:t>
             </a:r>
             <a:r>
-              <a:rPr lang="de-DE" b="0" dirty="0" smtClean="0"/>
+              <a:rPr lang="de-DE" b="0" dirty="0"/>
               <a:t> Lizenz vom Typ Namensnennung - Weitergabe unter gleichen Bedingungen 4.0 International zugänglich. Um eine Kopie dieser Lizenz einzusehen, konsultieren </a:t>
             </a:r>
             <a:r>
-              <a:rPr lang="de-DE" b="0" dirty="0" smtClean="0">
+              <a:rPr lang="de-DE" b="0" dirty="0">
                 <a:solidFill>
                   <a:schemeClr val="bg1"/>
                 </a:solidFill>
@@ -2636,18 +2588,17 @@
               <a:t>Sie http://creativecommons.org/licenses/by-sa/4.0/ oder </a:t>
             </a:r>
             <a:r>
-              <a:rPr lang="de-DE" b="0" dirty="0" smtClean="0"/>
+              <a:rPr lang="de-DE" b="0" dirty="0"/>
               <a:t>wenden Sie sich brieflich an Creative </a:t>
             </a:r>
             <a:r>
-              <a:rPr lang="de-DE" b="0" dirty="0" err="1" smtClean="0"/>
+              <a:rPr lang="de-DE" b="0" dirty="0" err="1"/>
               <a:t>Commons</a:t>
             </a:r>
             <a:r>
-              <a:rPr lang="de-DE" b="0" dirty="0" smtClean="0"/>
+              <a:rPr lang="de-DE" b="0" dirty="0"/>
               <a:t>, Postfach 1866, Mountain View, California, 94042, USA.</a:t>
             </a:r>
-            <a:endParaRPr lang="de-DE" b="0" dirty="0"/>
           </a:p>
         </p:txBody>
       </p:sp>
@@ -2806,38 +2757,37 @@
           <a:p>
             <a:pPr lvl="0"/>
             <a:r>
-              <a:rPr lang="de-DE" dirty="0" smtClean="0"/>
+              <a:rPr lang="de-DE" dirty="0"/>
               <a:t>Formatvorlagen des Textmasters bearbeiten</a:t>
             </a:r>
           </a:p>
           <a:p>
             <a:pPr lvl="1"/>
             <a:r>
-              <a:rPr lang="de-DE" dirty="0" smtClean="0"/>
+              <a:rPr lang="de-DE" dirty="0"/>
               <a:t>Zweite Ebene</a:t>
             </a:r>
           </a:p>
           <a:p>
             <a:pPr lvl="2"/>
             <a:r>
-              <a:rPr lang="de-DE" dirty="0" smtClean="0"/>
+              <a:rPr lang="de-DE" dirty="0"/>
               <a:t>Dritte Ebene</a:t>
             </a:r>
           </a:p>
           <a:p>
             <a:pPr lvl="3"/>
             <a:r>
-              <a:rPr lang="de-DE" dirty="0" smtClean="0"/>
+              <a:rPr lang="de-DE" dirty="0"/>
               <a:t>Vierte Ebene</a:t>
             </a:r>
           </a:p>
           <a:p>
             <a:pPr lvl="4"/>
             <a:r>
-              <a:rPr lang="de-DE" dirty="0" smtClean="0"/>
+              <a:rPr lang="de-DE" dirty="0"/>
               <a:t>Fünfte Ebene</a:t>
             </a:r>
-            <a:endParaRPr lang="de-DE" dirty="0"/>
           </a:p>
         </p:txBody>
       </p:sp>
@@ -2880,13 +2830,6 @@
   <p:clrMapOvr>
     <a:masterClrMapping/>
   </p:clrMapOvr>
-  <p:timing>
-    <p:tnLst>
-      <p:par>
-        <p:cTn id="1" dur="indefinite" restart="never" nodeType="tmRoot"/>
-      </p:par>
-    </p:tnLst>
-  </p:timing>
 </p:sldLayout>
 </file>
 
@@ -2934,10 +2877,9 @@
           </a:lstStyle>
           <a:p>
             <a:r>
-              <a:rPr lang="de-DE" dirty="0" smtClean="0"/>
+              <a:rPr lang="de-DE" dirty="0"/>
               <a:t>Titelmasterformat durch Klicken bearbeiten</a:t>
             </a:r>
-            <a:endParaRPr lang="de-DE" dirty="0"/>
           </a:p>
         </p:txBody>
       </p:sp>
@@ -2958,7 +2900,7 @@
           <a:p>
             <a:fld id="{FC9269F9-6F79-4414-A84E-D81C6C443C37}" type="datetimeFigureOut">
               <a:rPr lang="de-DE" smtClean="0"/>
-              <a:t>10.04.2019</a:t>
+              <a:t>16.03.2020</a:t>
             </a:fld>
             <a:endParaRPr lang="de-DE"/>
           </a:p>
@@ -3035,7 +2977,7 @@
           <a:p>
             <a:pPr lvl="0"/>
             <a:r>
-              <a:rPr lang="de-DE" b="1" dirty="0" smtClean="0"/>
+              <a:rPr lang="de-DE" b="1" dirty="0"/>
               <a:t>Rubrik</a:t>
             </a:r>
             <a:endParaRPr lang="de-DE" dirty="0"/>
@@ -3094,10 +3036,9 @@
           <a:p>
             <a:pPr lvl="0"/>
             <a:r>
-              <a:rPr lang="de-DE" dirty="0" smtClean="0"/>
+              <a:rPr lang="de-DE" dirty="0"/>
               <a:t>Formatvorlagen des Textmasters bearbeiten</a:t>
             </a:r>
-            <a:endParaRPr lang="de-DE" dirty="0"/>
           </a:p>
         </p:txBody>
       </p:sp>
@@ -3129,10 +3070,9 @@
           <a:p>
             <a:pPr lvl="0"/>
             <a:r>
-              <a:rPr lang="de-DE" dirty="0" smtClean="0"/>
+              <a:rPr lang="de-DE" dirty="0"/>
               <a:t>Legende</a:t>
             </a:r>
-            <a:endParaRPr lang="de-DE" dirty="0"/>
           </a:p>
         </p:txBody>
       </p:sp>
@@ -3146,13 +3086,6 @@
   <p:clrMapOvr>
     <a:masterClrMapping/>
   </p:clrMapOvr>
-  <p:timing>
-    <p:tnLst>
-      <p:par>
-        <p:cTn id="1" dur="indefinite" restart="never" nodeType="tmRoot"/>
-      </p:par>
-    </p:tnLst>
-  </p:timing>
 </p:sldLayout>
 </file>
 
@@ -3190,7 +3123,7 @@
           <a:p>
             <a:fld id="{FC9269F9-6F79-4414-A84E-D81C6C443C37}" type="datetimeFigureOut">
               <a:rPr lang="de-DE" smtClean="0"/>
-              <a:t>10.04.2019</a:t>
+              <a:t>16.03.2020</a:t>
             </a:fld>
             <a:endParaRPr lang="de-DE"/>
           </a:p>
@@ -3248,13 +3181,6 @@
   <p:clrMapOvr>
     <a:masterClrMapping/>
   </p:clrMapOvr>
-  <p:timing>
-    <p:tnLst>
-      <p:par>
-        <p:cTn id="1" dur="indefinite" restart="never" nodeType="tmRoot"/>
-      </p:par>
-    </p:tnLst>
-  </p:timing>
 </p:sldLayout>
 </file>
 
@@ -3306,7 +3232,7 @@
           <a:lstStyle/>
           <a:p>
             <a:r>
-              <a:rPr lang="de-DE" smtClean="0"/>
+              <a:rPr lang="de-DE"/>
               <a:t>Titelmasterformat durch Klicken bearbeiten</a:t>
             </a:r>
             <a:endParaRPr lang="en-US" dirty="0"/>
@@ -3340,35 +3266,35 @@
           <a:p>
             <a:pPr lvl="0"/>
             <a:r>
-              <a:rPr lang="de-DE" smtClean="0"/>
+              <a:rPr lang="de-DE"/>
               <a:t>Formatvorlagen des Textmasters bearbeiten</a:t>
             </a:r>
           </a:p>
           <a:p>
             <a:pPr lvl="1"/>
             <a:r>
-              <a:rPr lang="de-DE" smtClean="0"/>
+              <a:rPr lang="de-DE"/>
               <a:t>Zweite Ebene</a:t>
             </a:r>
           </a:p>
           <a:p>
             <a:pPr lvl="2"/>
             <a:r>
-              <a:rPr lang="de-DE" smtClean="0"/>
+              <a:rPr lang="de-DE"/>
               <a:t>Dritte Ebene</a:t>
             </a:r>
           </a:p>
           <a:p>
             <a:pPr lvl="3"/>
             <a:r>
-              <a:rPr lang="de-DE" smtClean="0"/>
+              <a:rPr lang="de-DE"/>
               <a:t>Vierte Ebene</a:t>
             </a:r>
           </a:p>
           <a:p>
             <a:pPr lvl="4"/>
             <a:r>
-              <a:rPr lang="de-DE" smtClean="0"/>
+              <a:rPr lang="de-DE"/>
               <a:t>Fünfte Ebene</a:t>
             </a:r>
             <a:endParaRPr lang="en-US" dirty="0"/>
@@ -3410,7 +3336,7 @@
           <a:p>
             <a:fld id="{FC9269F9-6F79-4414-A84E-D81C6C443C37}" type="datetimeFigureOut">
               <a:rPr lang="de-DE" smtClean="0"/>
-              <a:t>10.04.2019</a:t>
+              <a:t>16.03.2020</a:t>
             </a:fld>
             <a:endParaRPr lang="de-DE"/>
           </a:p>
@@ -3513,13 +3439,6 @@
     <p:sldLayoutId id="2147483674" r:id="rId7"/>
     <p:sldLayoutId id="2147483676" r:id="rId8"/>
   </p:sldLayoutIdLst>
-  <p:timing>
-    <p:tnLst>
-      <p:par>
-        <p:cTn id="1" dur="indefinite" restart="never" nodeType="tmRoot"/>
-      </p:par>
-    </p:tnLst>
-  </p:timing>
   <p:txStyles>
     <p:titleStyle>
       <a:lvl1pPr algn="l" defTabSz="685800" rtl="0" eaLnBrk="1" latinLnBrk="0" hangingPunct="1">
@@ -3836,7 +3755,7 @@
           <a:lstStyle/>
           <a:p>
             <a:r>
-              <a:rPr lang="de-DE" smtClean="0"/>
+              <a:rPr lang="de-DE"/>
               <a:t>Heißer Draht</a:t>
             </a:r>
             <a:endParaRPr lang="de-DE" dirty="0"/>
@@ -3861,22 +3780,24 @@
         </p:spPr>
         <p:txBody>
           <a:bodyPr>
-            <a:normAutofit/>
+            <a:normAutofit fontScale="85000" lnSpcReduction="10000"/>
           </a:bodyPr>
           <a:lstStyle/>
           <a:p>
             <a:r>
-              <a:rPr lang="de-DE" dirty="0" smtClean="0"/>
+              <a:rPr lang="de-DE" dirty="0"/>
               <a:t>Erstelle ein Programm für das Spiel </a:t>
             </a:r>
             <a:r>
-              <a:rPr lang="de-DE" dirty="0" err="1" smtClean="0"/>
+              <a:rPr lang="de-DE" dirty="0" err="1"/>
               <a:t>Heißerdraht</a:t>
             </a:r>
             <a:r>
-              <a:rPr lang="de-DE" dirty="0" smtClean="0"/>
-              <a:t>. Immer wenn der Ring (welcher von Hand geführt wird) den Draht berührt, dann soll dies durch einen Ton signalisiert werden oder per LED angezeigt werden. Das Zählen der Fehler wäre auch möglich.</a:t>
-            </a:r>
+              <a:rPr lang="de-DE" dirty="0"/>
+              <a:t>. Immer wenn der Ring (welcher von Hand geführt wird) den Draht berührt, dann soll dies durch einen Ton signalisiert werden oder per LED angezeigt werden. Das Zählen der Fehler wäre auch möglich. Für den Draht und Ring sollte ein leitendes Material wie z.B. Kupfer verwendet werden.</a:t>
+            </a:r>
+          </a:p>
+          <a:p>
             <a:endParaRPr lang="de-DE" dirty="0"/>
           </a:p>
         </p:txBody>
@@ -3898,13 +3819,8 @@
           <a:p>
             <a:r>
               <a:rPr lang="de-DE" dirty="0"/>
-              <a:t>Für </a:t>
-            </a:r>
-            <a:r>
-              <a:rPr lang="de-DE" dirty="0" smtClean="0"/>
-              <a:t>Einsteigerinnen</a:t>
-            </a:r>
-            <a:endParaRPr lang="de-DE" dirty="0"/>
+              <a:t>Für Einsteigerinnen</a:t>
+            </a:r>
           </a:p>
         </p:txBody>
       </p:sp>
@@ -3962,13 +3878,6 @@
   <p:clrMapOvr>
     <a:masterClrMapping/>
   </p:clrMapOvr>
-  <p:timing>
-    <p:tnLst>
-      <p:par>
-        <p:cTn id="1" dur="indefinite" restart="never" nodeType="tmRoot"/>
-      </p:par>
-    </p:tnLst>
-  </p:timing>
 </p:sld>
 </file>
 
@@ -4016,11 +3925,7 @@
             </a:pPr>
             <a:r>
               <a:rPr lang="de-DE" sz="1600" b="1" dirty="0"/>
-              <a:t>Ursprüngliche </a:t>
-            </a:r>
-            <a:r>
-              <a:rPr lang="de-DE" sz="1600" b="1" dirty="0" smtClean="0"/>
-              <a:t>Idee</a:t>
+              <a:t>Ursprüngliche Idee</a:t>
             </a:r>
           </a:p>
           <a:p>
@@ -4036,11 +3941,7 @@
             </a:br>
             <a:r>
               <a:rPr lang="de-DE" dirty="0"/>
-              <a:t>Heißer </a:t>
-            </a:r>
-            <a:r>
-              <a:rPr lang="de-DE" dirty="0" smtClean="0"/>
-              <a:t>Draht</a:t>
+              <a:t>Heißer Draht</a:t>
             </a:r>
           </a:p>
           <a:p>
@@ -4048,12 +3949,8 @@
               <a:buNone/>
             </a:pPr>
             <a:r>
-              <a:rPr lang="de-DE" dirty="0" smtClean="0"/>
+              <a:rPr lang="de-DE" dirty="0"/>
               <a:t>Unterrichtsmaterialen von</a:t>
-            </a:r>
-            <a:r>
-              <a:rPr lang="de-DE" dirty="0"/>
-              <a:t/>
             </a:r>
             <a:br>
               <a:rPr lang="de-DE" dirty="0"/>
@@ -4062,26 +3959,16 @@
               <a:rPr lang="de-DE" dirty="0">
                 <a:hlinkClick r:id="rId2"/>
               </a:rPr>
-              <a:t>https://appcamps.de</a:t>
-            </a:r>
-            <a:r>
-              <a:rPr lang="de-DE" dirty="0" smtClean="0">
-                <a:hlinkClick r:id="rId2"/>
-              </a:rPr>
-              <a:t>/</a:t>
-            </a:r>
-            <a:r>
-              <a:rPr lang="de-DE" dirty="0" smtClean="0"/>
+              <a:t>https://appcamps.de/</a:t>
+            </a:r>
+            <a:r>
+              <a:rPr lang="de-DE" dirty="0"/>
               <a:t> </a:t>
             </a:r>
-            <a:r>
-              <a:rPr lang="de-DE" dirty="0" smtClean="0"/>
-              <a:t/>
-            </a:r>
             <a:br>
-              <a:rPr lang="de-DE" dirty="0" smtClean="0"/>
+              <a:rPr lang="de-DE" dirty="0"/>
             </a:br>
-            <a:endParaRPr lang="de-DE" dirty="0" smtClean="0"/>
+            <a:endParaRPr lang="de-DE" dirty="0"/>
           </a:p>
           <a:p>
             <a:pPr marL="0" indent="0">
@@ -4106,66 +3993,37 @@
               <a:rPr lang="de-DE" dirty="0" err="1"/>
               <a:t>betahaus</a:t>
             </a:r>
-            <a:r>
-              <a:rPr lang="de-DE" dirty="0"/>
-              <a:t/>
-            </a:r>
             <a:br>
               <a:rPr lang="de-DE" dirty="0"/>
             </a:br>
             <a:r>
               <a:rPr lang="de-DE" dirty="0"/>
-              <a:t>22769 </a:t>
-            </a:r>
-            <a:r>
-              <a:rPr lang="de-DE" dirty="0" smtClean="0"/>
-              <a:t>Hamburg</a:t>
+              <a:t>22769 Hamburg</a:t>
             </a:r>
             <a:br>
-              <a:rPr lang="de-DE" dirty="0" smtClean="0"/>
+              <a:rPr lang="de-DE" dirty="0"/>
             </a:br>
             <a:r>
-              <a:rPr lang="de-DE" dirty="0" smtClean="0"/>
-              <a:t>Telefon</a:t>
-            </a:r>
-            <a:r>
               <a:rPr lang="de-DE" dirty="0"/>
-              <a:t>: </a:t>
-            </a:r>
-            <a:r>
+              <a:t>Telefon: +49 (0)40 22865784</a:t>
+            </a:r>
+            <a:br>
               <a:rPr lang="de-DE" dirty="0"/>
-              <a:t>+49 (0)40 </a:t>
-            </a:r>
-            <a:r>
-              <a:rPr lang="de-DE" dirty="0" smtClean="0"/>
-              <a:t>22865784</a:t>
-            </a:r>
-            <a:r>
-              <a:rPr lang="de-DE" dirty="0" smtClean="0"/>
-              <a:t/>
-            </a:r>
-            <a:br>
-              <a:rPr lang="de-DE" dirty="0" smtClean="0"/>
             </a:br>
             <a:r>
-              <a:rPr lang="de-DE" dirty="0" smtClean="0"/>
-              <a:t>E-Mail</a:t>
-            </a:r>
-            <a:r>
               <a:rPr lang="de-DE" dirty="0"/>
-              <a:t>: </a:t>
-            </a:r>
-            <a:r>
-              <a:rPr lang="de-DE" dirty="0" smtClean="0">
+              <a:t>E-Mail: </a:t>
+            </a:r>
+            <a:r>
+              <a:rPr lang="de-DE" dirty="0">
                 <a:hlinkClick r:id="rId3"/>
               </a:rPr>
               <a:t>philipp@appcamps.de</a:t>
             </a:r>
             <a:r>
-              <a:rPr lang="de-DE" dirty="0" smtClean="0"/>
+              <a:rPr lang="de-DE" dirty="0"/>
               <a:t> </a:t>
             </a:r>
-            <a:endParaRPr lang="de-DE" dirty="0" smtClean="0"/>
           </a:p>
           <a:p>
             <a:pPr marL="0" indent="0">
@@ -4175,19 +4033,12 @@
               <a:rPr lang="de-DE" sz="1600" dirty="0">
                 <a:hlinkClick r:id="rId4"/>
               </a:rPr>
-              <a:t>https://</a:t>
-            </a:r>
-            <a:r>
-              <a:rPr lang="de-DE" sz="1600" dirty="0" smtClean="0">
-                <a:hlinkClick r:id="rId4"/>
-              </a:rPr>
-              <a:t>drive.google.com/file/d/1sPRdPseZuyjEWThFJ-QjzrJkFPvoI4lm/view</a:t>
-            </a:r>
-            <a:r>
-              <a:rPr lang="de-DE" sz="1600" dirty="0" smtClean="0"/>
+              <a:t>https://drive.google.com/file/d/1sPRdPseZuyjEWThFJ-QjzrJkFPvoI4lm/view</a:t>
+            </a:r>
+            <a:r>
+              <a:rPr lang="de-DE" sz="1600" dirty="0"/>
               <a:t> </a:t>
             </a:r>
-            <a:endParaRPr lang="de-DE" sz="1600" dirty="0"/>
           </a:p>
         </p:txBody>
       </p:sp>
